--- a/materials/ch05/ch05-小程序后台请求.pptx
+++ b/materials/ch05/ch05-小程序后台请求.pptx
@@ -544,7 +544,7 @@
           <a:p>
             <a:fld id="{10955001-8E90-43AD-87AF-166875BDDBE4}" type="datetimeFigureOut">
               <a:rPr lang="zh-CN" altLang="en-US" smtClean="0"/>
-              <a:t>2020/9/3</a:t>
+              <a:t>2020/9/16</a:t>
             </a:fld>
             <a:endParaRPr lang="zh-CN" altLang="en-US"/>
           </a:p>
@@ -776,7 +776,7 @@
           <a:p>
             <a:fld id="{10955001-8E90-43AD-87AF-166875BDDBE4}" type="datetimeFigureOut">
               <a:rPr lang="zh-CN" altLang="en-US" smtClean="0"/>
-              <a:t>2020/9/3</a:t>
+              <a:t>2020/9/16</a:t>
             </a:fld>
             <a:endParaRPr lang="zh-CN" altLang="en-US"/>
           </a:p>
@@ -1274,7 +1274,7 @@
           <a:p>
             <a:fld id="{10955001-8E90-43AD-87AF-166875BDDBE4}" type="datetimeFigureOut">
               <a:rPr lang="zh-CN" altLang="en-US" smtClean="0"/>
-              <a:t>2020/9/3</a:t>
+              <a:t>2020/9/16</a:t>
             </a:fld>
             <a:endParaRPr lang="zh-CN" altLang="en-US"/>
           </a:p>
@@ -1703,7 +1703,7 @@
           <a:p>
             <a:fld id="{10955001-8E90-43AD-87AF-166875BDDBE4}" type="datetimeFigureOut">
               <a:rPr lang="zh-CN" altLang="en-US" smtClean="0"/>
-              <a:t>2020/9/3</a:t>
+              <a:t>2020/9/16</a:t>
             </a:fld>
             <a:endParaRPr lang="zh-CN" altLang="en-US"/>
           </a:p>
@@ -2220,7 +2220,7 @@
           <a:p>
             <a:fld id="{10955001-8E90-43AD-87AF-166875BDDBE4}" type="datetimeFigureOut">
               <a:rPr lang="zh-CN" altLang="en-US" smtClean="0"/>
-              <a:t>2020/9/3</a:t>
+              <a:t>2020/9/16</a:t>
             </a:fld>
             <a:endParaRPr lang="zh-CN" altLang="en-US"/>
           </a:p>
@@ -2680,7 +2680,7 @@
           <a:p>
             <a:fld id="{10955001-8E90-43AD-87AF-166875BDDBE4}" type="datetimeFigureOut">
               <a:rPr lang="zh-CN" altLang="en-US" smtClean="0"/>
-              <a:t>2020/9/3</a:t>
+              <a:t>2020/9/16</a:t>
             </a:fld>
             <a:endParaRPr lang="zh-CN" altLang="en-US"/>
           </a:p>
@@ -2992,7 +2992,7 @@
           <a:p>
             <a:fld id="{10955001-8E90-43AD-87AF-166875BDDBE4}" type="datetimeFigureOut">
               <a:rPr lang="zh-CN" altLang="en-US" smtClean="0"/>
-              <a:t>2020/9/3</a:t>
+              <a:t>2020/9/16</a:t>
             </a:fld>
             <a:endParaRPr lang="zh-CN" altLang="en-US"/>
           </a:p>
@@ -4262,17 +4262,16 @@
             <a:endParaRPr lang="en-US" altLang="zh-CN"/>
           </a:p>
           <a:p>
+            <a:endParaRPr lang="en-US" altLang="zh-CN"/>
+          </a:p>
+          <a:p>
             <a:r>
               <a:rPr lang="zh-CN" altLang="en-US"/>
-              <a:t>之前的域名配置不支持端口号。</a:t>
+              <a:t>之前的域名配置不支持端口号。现在小程序配置服务器域名可以填写端口号。</a:t>
             </a:r>
             <a:endParaRPr lang="en-US" altLang="zh-CN"/>
           </a:p>
           <a:p>
-            <a:r>
-              <a:rPr lang="zh-CN" altLang="en-US"/>
-              <a:t>现在小程序文档给出的说明是可以填写端口号。</a:t>
-            </a:r>
             <a:endParaRPr lang="en-US" altLang="zh-CN"/>
           </a:p>
           <a:p>

--- a/materials/ch05/ch05-小程序后台请求.pptx
+++ b/materials/ch05/ch05-小程序后台请求.pptx
@@ -10,8 +10,9 @@
     <p:sldId id="281" r:id="rId4"/>
     <p:sldId id="282" r:id="rId5"/>
     <p:sldId id="257" r:id="rId6"/>
-    <p:sldId id="276" r:id="rId7"/>
-    <p:sldId id="283" r:id="rId8"/>
+    <p:sldId id="284" r:id="rId7"/>
+    <p:sldId id="276" r:id="rId8"/>
+    <p:sldId id="283" r:id="rId9"/>
   </p:sldIdLst>
   <p:sldSz cx="12192000" cy="6858000"/>
   <p:notesSz cx="6858000" cy="9144000"/>
@@ -544,7 +545,7 @@
           <a:p>
             <a:fld id="{10955001-8E90-43AD-87AF-166875BDDBE4}" type="datetimeFigureOut">
               <a:rPr lang="zh-CN" altLang="en-US" smtClean="0"/>
-              <a:t>2020/9/16</a:t>
+              <a:t>2020/9/30</a:t>
             </a:fld>
             <a:endParaRPr lang="zh-CN" altLang="en-US"/>
           </a:p>
@@ -776,7 +777,7 @@
           <a:p>
             <a:fld id="{10955001-8E90-43AD-87AF-166875BDDBE4}" type="datetimeFigureOut">
               <a:rPr lang="zh-CN" altLang="en-US" smtClean="0"/>
-              <a:t>2020/9/16</a:t>
+              <a:t>2020/9/30</a:t>
             </a:fld>
             <a:endParaRPr lang="zh-CN" altLang="en-US"/>
           </a:p>
@@ -1274,7 +1275,7 @@
           <a:p>
             <a:fld id="{10955001-8E90-43AD-87AF-166875BDDBE4}" type="datetimeFigureOut">
               <a:rPr lang="zh-CN" altLang="en-US" smtClean="0"/>
-              <a:t>2020/9/16</a:t>
+              <a:t>2020/9/30</a:t>
             </a:fld>
             <a:endParaRPr lang="zh-CN" altLang="en-US"/>
           </a:p>
@@ -1703,7 +1704,7 @@
           <a:p>
             <a:fld id="{10955001-8E90-43AD-87AF-166875BDDBE4}" type="datetimeFigureOut">
               <a:rPr lang="zh-CN" altLang="en-US" smtClean="0"/>
-              <a:t>2020/9/16</a:t>
+              <a:t>2020/9/30</a:t>
             </a:fld>
             <a:endParaRPr lang="zh-CN" altLang="en-US"/>
           </a:p>
@@ -2220,7 +2221,7 @@
           <a:p>
             <a:fld id="{10955001-8E90-43AD-87AF-166875BDDBE4}" type="datetimeFigureOut">
               <a:rPr lang="zh-CN" altLang="en-US" smtClean="0"/>
-              <a:t>2020/9/16</a:t>
+              <a:t>2020/9/30</a:t>
             </a:fld>
             <a:endParaRPr lang="zh-CN" altLang="en-US"/>
           </a:p>
@@ -2680,7 +2681,7 @@
           <a:p>
             <a:fld id="{10955001-8E90-43AD-87AF-166875BDDBE4}" type="datetimeFigureOut">
               <a:rPr lang="zh-CN" altLang="en-US" smtClean="0"/>
-              <a:t>2020/9/16</a:t>
+              <a:t>2020/9/30</a:t>
             </a:fld>
             <a:endParaRPr lang="zh-CN" altLang="en-US"/>
           </a:p>
@@ -2992,7 +2993,7 @@
           <a:p>
             <a:fld id="{10955001-8E90-43AD-87AF-166875BDDBE4}" type="datetimeFigureOut">
               <a:rPr lang="zh-CN" altLang="en-US" smtClean="0"/>
-              <a:t>2020/9/16</a:t>
+              <a:t>2020/9/30</a:t>
             </a:fld>
             <a:endParaRPr lang="zh-CN" altLang="en-US"/>
           </a:p>
@@ -4333,6 +4334,119 @@
           <p:cNvPr id="2" name="标题 1">
             <a:extLst>
               <a:ext uri="{FF2B5EF4-FFF2-40B4-BE49-F238E27FC236}">
+                <a16:creationId xmlns:a16="http://schemas.microsoft.com/office/drawing/2014/main" id="{D6C8BF78-153B-45D9-96B5-4F45AFE86F7B}"/>
+              </a:ext>
+            </a:extLst>
+          </p:cNvPr>
+          <p:cNvSpPr>
+            <a:spLocks noGrp="1"/>
+          </p:cNvSpPr>
+          <p:nvPr>
+            <p:ph type="title"/>
+          </p:nvPr>
+        </p:nvSpPr>
+        <p:spPr/>
+        <p:txBody>
+          <a:bodyPr/>
+          <a:lstStyle/>
+          <a:p>
+            <a:r>
+              <a:rPr lang="zh-CN" altLang="en-US"/>
+              <a:t>测试接口的域名</a:t>
+            </a:r>
+          </a:p>
+        </p:txBody>
+      </p:sp>
+      <p:sp>
+        <p:nvSpPr>
+          <p:cNvPr id="3" name="内容占位符 2">
+            <a:extLst>
+              <a:ext uri="{FF2B5EF4-FFF2-40B4-BE49-F238E27FC236}">
+                <a16:creationId xmlns:a16="http://schemas.microsoft.com/office/drawing/2014/main" id="{F79D9269-D20B-4019-8371-154808EDDAAB}"/>
+              </a:ext>
+            </a:extLst>
+          </p:cNvPr>
+          <p:cNvSpPr>
+            <a:spLocks noGrp="1"/>
+          </p:cNvSpPr>
+          <p:nvPr>
+            <p:ph idx="1"/>
+          </p:nvPr>
+        </p:nvSpPr>
+        <p:spPr/>
+        <p:txBody>
+          <a:bodyPr/>
+          <a:lstStyle/>
+          <a:p>
+            <a:r>
+              <a:rPr lang="zh-CN" altLang="en-US"/>
+              <a:t>目前临时提供的测试域名：</a:t>
+            </a:r>
+            <a:endParaRPr lang="en-US" altLang="zh-CN"/>
+          </a:p>
+          <a:p>
+            <a:pPr marL="457200" lvl="1" indent="0">
+              <a:buNone/>
+            </a:pPr>
+            <a:r>
+              <a:rPr lang="en-US" altLang="zh-CN"/>
+              <a:t>https://wy.vvh5.com</a:t>
+            </a:r>
+          </a:p>
+          <a:p>
+            <a:r>
+              <a:rPr lang="zh-CN" altLang="en-US"/>
+              <a:t>测试接口仅仅保证在课程需要时提供服务。</a:t>
+            </a:r>
+            <a:endParaRPr lang="en-US" altLang="zh-CN"/>
+          </a:p>
+          <a:p>
+            <a:r>
+              <a:rPr lang="zh-CN" altLang="en-US"/>
+              <a:t>在学生完成自己的服务部署之后，测试接口将关闭。</a:t>
+            </a:r>
+            <a:endParaRPr lang="en-US" altLang="zh-CN"/>
+          </a:p>
+          <a:p>
+            <a:endParaRPr lang="zh-CN" altLang="en-US"/>
+          </a:p>
+        </p:txBody>
+      </p:sp>
+    </p:spTree>
+    <p:extLst>
+      <p:ext uri="{BB962C8B-B14F-4D97-AF65-F5344CB8AC3E}">
+        <p14:creationId xmlns:p14="http://schemas.microsoft.com/office/powerpoint/2010/main" val="799269544"/>
+      </p:ext>
+    </p:extLst>
+  </p:cSld>
+  <p:clrMapOvr>
+    <a:masterClrMapping/>
+  </p:clrMapOvr>
+</p:sld>
+</file>
+
+<file path=ppt/slides/slide7.xml><?xml version="1.0" encoding="utf-8"?>
+<p:sld xmlns:a="http://schemas.openxmlformats.org/drawingml/2006/main" xmlns:r="http://schemas.openxmlformats.org/officeDocument/2006/relationships" xmlns:p="http://schemas.openxmlformats.org/presentationml/2006/main">
+  <p:cSld>
+    <p:spTree>
+      <p:nvGrpSpPr>
+        <p:cNvPr id="1" name=""/>
+        <p:cNvGrpSpPr/>
+        <p:nvPr/>
+      </p:nvGrpSpPr>
+      <p:grpSpPr>
+        <a:xfrm>
+          <a:off x="0" y="0"/>
+          <a:ext cx="0" cy="0"/>
+          <a:chOff x="0" y="0"/>
+          <a:chExt cx="0" cy="0"/>
+        </a:xfrm>
+      </p:grpSpPr>
+      <p:sp>
+        <p:nvSpPr>
+          <p:cNvPr id="2" name="标题 1">
+            <a:extLst>
+              <a:ext uri="{FF2B5EF4-FFF2-40B4-BE49-F238E27FC236}">
                 <a16:creationId xmlns:a16="http://schemas.microsoft.com/office/drawing/2014/main" id="{14E9355E-652F-436C-B3B0-4D81DA18977B}"/>
               </a:ext>
             </a:extLst>
@@ -4373,14 +4487,14 @@
             <p:ph idx="1"/>
             <p:extLst>
               <p:ext uri="{D42A27DB-BD31-4B8C-83A1-F6EECF244321}">
-                <p14:modId xmlns:p14="http://schemas.microsoft.com/office/powerpoint/2010/main" val="2445270226"/>
+                <p14:modId xmlns:p14="http://schemas.microsoft.com/office/powerpoint/2010/main" val="242421151"/>
               </p:ext>
             </p:extLst>
           </p:nvPr>
         </p:nvGraphicFramePr>
         <p:xfrm>
           <a:off x="878889" y="1455937"/>
-          <a:ext cx="10474908" cy="4376690"/>
+          <a:ext cx="10474908" cy="5036938"/>
         </p:xfrm>
         <a:graphic>
           <a:graphicData uri="http://schemas.openxmlformats.org/drawingml/2006/table">
@@ -4389,21 +4503,21 @@
                 <a:tableStyleId>{C083E6E3-FA7D-4D7B-A595-EF9225AFEA82}</a:tableStyleId>
               </a:tblPr>
               <a:tblGrid>
-                <a:gridCol w="2773117">
+                <a:gridCol w="2459115">
                   <a:extLst>
                     <a:ext uri="{9D8B030D-6E8A-4147-A177-3AD203B41FA5}">
                       <a16:colId xmlns:a16="http://schemas.microsoft.com/office/drawing/2014/main" val="4016313802"/>
                     </a:ext>
                   </a:extLst>
                 </a:gridCol>
-                <a:gridCol w="1406088">
+                <a:gridCol w="1260629">
                   <a:extLst>
                     <a:ext uri="{9D8B030D-6E8A-4147-A177-3AD203B41FA5}">
                       <a16:colId xmlns:a16="http://schemas.microsoft.com/office/drawing/2014/main" val="3620645814"/>
                     </a:ext>
                   </a:extLst>
                 </a:gridCol>
-                <a:gridCol w="6295703">
+                <a:gridCol w="6755164">
                   <a:extLst>
                     <a:ext uri="{9D8B030D-6E8A-4147-A177-3AD203B41FA5}">
                       <a16:colId xmlns:a16="http://schemas.microsoft.com/office/drawing/2014/main" val="1457085884"/>
@@ -4411,7 +4525,7 @@
                   </a:extLst>
                 </a:gridCol>
               </a:tblGrid>
-              <a:tr h="552799">
+              <a:tr h="547995">
                 <a:tc>
                   <a:txBody>
                     <a:bodyPr/>
@@ -4470,7 +4584,7 @@
                   </a:ext>
                 </a:extLst>
               </a:tr>
-              <a:tr h="704401">
+              <a:tr h="698280">
                 <a:tc>
                   <a:txBody>
                     <a:bodyPr/>
@@ -4481,7 +4595,7 @@
                           <a:latin typeface="Noto Mono" panose="020B0609030804020204" pitchFamily="49" charset="0"/>
                           <a:ea typeface="思源黑体 CN Light" panose="020B0300000000000000" pitchFamily="34" charset="-122"/>
                         </a:rPr>
-                        <a:t>/</a:t>
+                        <a:t>/apitable</a:t>
                       </a:r>
                       <a:endParaRPr lang="zh-CN" altLang="en-US" sz="1600" baseline="0">
                         <a:latin typeface="Noto Mono" panose="020B0609030804020204" pitchFamily="49" charset="0"/>
@@ -4521,49 +4635,7 @@
                           <a:latin typeface="Noto Mono" panose="020B0609030804020204" pitchFamily="49" charset="0"/>
                           <a:ea typeface="思源黑体 CN Light" panose="020B0300000000000000" pitchFamily="34" charset="-122"/>
                         </a:rPr>
-                        <a:t>返回接口列表，携带</a:t>
-                      </a:r>
-                      <a:r>
-                        <a:rPr lang="en-US" altLang="zh-CN" sz="1600" baseline="0">
-                          <a:latin typeface="Noto Mono" panose="020B0609030804020204" pitchFamily="49" charset="0"/>
-                          <a:ea typeface="思源黑体 CN Light" panose="020B0300000000000000" pitchFamily="34" charset="-122"/>
-                        </a:rPr>
-                        <a:t>status</a:t>
-                      </a:r>
-                      <a:r>
-                        <a:rPr lang="zh-CN" altLang="en-US" sz="1600" baseline="0">
-                          <a:latin typeface="Noto Mono" panose="020B0609030804020204" pitchFamily="49" charset="0"/>
-                          <a:ea typeface="思源黑体 CN Light" panose="020B0300000000000000" pitchFamily="34" charset="-122"/>
-                        </a:rPr>
-                        <a:t>字段为</a:t>
-                      </a:r>
-                      <a:r>
-                        <a:rPr lang="en-US" altLang="zh-CN" sz="1600" baseline="0">
-                          <a:latin typeface="Noto Mono" panose="020B0609030804020204" pitchFamily="49" charset="0"/>
-                          <a:ea typeface="思源黑体 CN Light" panose="020B0300000000000000" pitchFamily="34" charset="-122"/>
-                        </a:rPr>
-                        <a:t>OK</a:t>
-                      </a:r>
-                      <a:r>
-                        <a:rPr lang="zh-CN" altLang="en-US" sz="1600" baseline="0">
-                          <a:latin typeface="Noto Mono" panose="020B0609030804020204" pitchFamily="49" charset="0"/>
-                          <a:ea typeface="思源黑体 CN Light" panose="020B0300000000000000" pitchFamily="34" charset="-122"/>
-                        </a:rPr>
-                        <a:t>，</a:t>
-                      </a:r>
-                      <a:r>
-                        <a:rPr lang="en-US" altLang="zh-CN" sz="1600" baseline="0">
-                          <a:latin typeface="Noto Mono" panose="020B0609030804020204" pitchFamily="49" charset="0"/>
-                          <a:ea typeface="思源黑体 CN Light" panose="020B0300000000000000" pitchFamily="34" charset="-122"/>
-                        </a:rPr>
-                        <a:t>data</a:t>
-                      </a:r>
-                      <a:r>
-                        <a:rPr lang="zh-CN" altLang="en-US" sz="1600" baseline="0">
-                          <a:latin typeface="Noto Mono" panose="020B0609030804020204" pitchFamily="49" charset="0"/>
-                          <a:ea typeface="思源黑体 CN Light" panose="020B0300000000000000" pitchFamily="34" charset="-122"/>
-                        </a:rPr>
-                        <a:t>为接口信息。</a:t>
+                        <a:t>返回接口列表，浏览器访问直接查看。</a:t>
                       </a:r>
                     </a:p>
                   </a:txBody>
@@ -4575,7 +4647,7 @@
                   </a:ext>
                 </a:extLst>
               </a:tr>
-              <a:tr h="704401">
+              <a:tr h="698280">
                 <a:tc>
                   <a:txBody>
                     <a:bodyPr/>
@@ -4586,7 +4658,98 @@
                           <a:latin typeface="Noto Mono" panose="020B0609030804020204" pitchFamily="49" charset="0"/>
                           <a:ea typeface="思源黑体 CN Light" panose="020B0300000000000000" pitchFamily="34" charset="-122"/>
                         </a:rPr>
-                        <a:t>/</a:t>
+                        <a:t>/image/:nm/:name</a:t>
+                      </a:r>
+                      <a:endParaRPr lang="zh-CN" altLang="en-US" sz="1600" baseline="0">
+                        <a:latin typeface="Noto Mono" panose="020B0609030804020204" pitchFamily="49" charset="0"/>
+                        <a:ea typeface="思源黑体 CN Light" panose="020B0300000000000000" pitchFamily="34" charset="-122"/>
+                      </a:endParaRPr>
+                    </a:p>
+                  </a:txBody>
+                  <a:tcPr anchor="ctr"/>
+                </a:tc>
+                <a:tc>
+                  <a:txBody>
+                    <a:bodyPr/>
+                    <a:lstStyle/>
+                    <a:p>
+                      <a:r>
+                        <a:rPr lang="en-US" altLang="zh-CN" sz="1600" baseline="0">
+                          <a:latin typeface="Noto Mono" panose="020B0609030804020204" pitchFamily="49" charset="0"/>
+                          <a:ea typeface="思源黑体 CN Light" panose="020B0300000000000000" pitchFamily="34" charset="-122"/>
+                        </a:rPr>
+                        <a:t>GET</a:t>
+                      </a:r>
+                      <a:endParaRPr lang="zh-CN" altLang="en-US" sz="1600" baseline="0">
+                        <a:latin typeface="Noto Mono" panose="020B0609030804020204" pitchFamily="49" charset="0"/>
+                        <a:ea typeface="思源黑体 CN Light" panose="020B0300000000000000" pitchFamily="34" charset="-122"/>
+                      </a:endParaRPr>
+                    </a:p>
+                  </a:txBody>
+                  <a:tcPr anchor="ctr"/>
+                </a:tc>
+                <a:tc>
+                  <a:txBody>
+                    <a:bodyPr/>
+                    <a:lstStyle/>
+                    <a:p>
+                      <a:r>
+                        <a:rPr lang="zh-CN" altLang="en-US" sz="1600" baseline="0">
+                          <a:latin typeface="Noto Mono" panose="020B0609030804020204" pitchFamily="49" charset="0"/>
+                          <a:ea typeface="思源黑体 CN Light" panose="020B0300000000000000" pitchFamily="34" charset="-122"/>
+                        </a:rPr>
+                        <a:t>返回图片数据，</a:t>
+                      </a:r>
+                      <a:r>
+                        <a:rPr lang="en-US" altLang="zh-CN" sz="1600" baseline="0">
+                          <a:latin typeface="Noto Mono" panose="020B0609030804020204" pitchFamily="49" charset="0"/>
+                          <a:ea typeface="思源黑体 CN Light" panose="020B0300000000000000" pitchFamily="34" charset="-122"/>
+                        </a:rPr>
+                        <a:t>nm</a:t>
+                      </a:r>
+                      <a:r>
+                        <a:rPr lang="zh-CN" altLang="en-US" sz="1600" baseline="0">
+                          <a:latin typeface="Noto Mono" panose="020B0609030804020204" pitchFamily="49" charset="0"/>
+                          <a:ea typeface="思源黑体 CN Light" panose="020B0300000000000000" pitchFamily="34" charset="-122"/>
+                        </a:rPr>
+                        <a:t>是学号，</a:t>
+                      </a:r>
+                      <a:r>
+                        <a:rPr lang="en-US" altLang="zh-CN" sz="1600" baseline="0">
+                          <a:latin typeface="Noto Mono" panose="020B0609030804020204" pitchFamily="49" charset="0"/>
+                          <a:ea typeface="思源黑体 CN Light" panose="020B0300000000000000" pitchFamily="34" charset="-122"/>
+                        </a:rPr>
+                        <a:t>name</a:t>
+                      </a:r>
+                      <a:r>
+                        <a:rPr lang="zh-CN" altLang="en-US" sz="1600" baseline="0">
+                          <a:latin typeface="Noto Mono" panose="020B0609030804020204" pitchFamily="49" charset="0"/>
+                          <a:ea typeface="思源黑体 CN Light" panose="020B0300000000000000" pitchFamily="34" charset="-122"/>
+                        </a:rPr>
+                        <a:t>是图片名称。</a:t>
+                      </a:r>
+                    </a:p>
+                  </a:txBody>
+                  <a:tcPr anchor="ctr"/>
+                </a:tc>
+                <a:extLst>
+                  <a:ext uri="{0D108BD9-81ED-4DB2-BD59-A6C34878D82A}">
+                    <a16:rowId xmlns:a16="http://schemas.microsoft.com/office/drawing/2014/main" val="1147591180"/>
+                  </a:ext>
+                </a:extLst>
+              </a:tr>
+              <a:tr h="997543">
+                <a:tc>
+                  <a:txBody>
+                    <a:bodyPr/>
+                    <a:lstStyle/>
+                    <a:p>
+                      <a:r>
+                        <a:rPr lang="en-US" altLang="zh-CN" sz="1600" baseline="0">
+                          <a:latin typeface="Noto Mono" panose="020B0609030804020204" pitchFamily="49" charset="0"/>
+                          <a:ea typeface="思源黑体 CN Light" panose="020B0300000000000000" pitchFamily="34" charset="-122"/>
+                        </a:rPr>
+                        <a:t>/image/:stunm</a:t>
                       </a:r>
                       <a:endParaRPr lang="zh-CN" altLang="en-US" sz="1600" baseline="0">
                         <a:latin typeface="Noto Mono" panose="020B0609030804020204" pitchFamily="49" charset="0"/>
@@ -4626,21 +4789,35 @@
                           <a:latin typeface="Noto Mono" panose="020B0609030804020204" pitchFamily="49" charset="0"/>
                           <a:ea typeface="思源黑体 CN Light" panose="020B0300000000000000" pitchFamily="34" charset="-122"/>
                         </a:rPr>
-                        <a:t>返回提交的</a:t>
+                        <a:t>上传图片，</a:t>
                       </a:r>
                       <a:r>
                         <a:rPr lang="en-US" altLang="zh-CN" sz="1600" baseline="0">
                           <a:latin typeface="Noto Mono" panose="020B0609030804020204" pitchFamily="49" charset="0"/>
                           <a:ea typeface="思源黑体 CN Light" panose="020B0300000000000000" pitchFamily="34" charset="-122"/>
                         </a:rPr>
-                        <a:t>body</a:t>
+                        <a:t>stunm</a:t>
                       </a:r>
                       <a:r>
                         <a:rPr lang="zh-CN" altLang="en-US" sz="1600" baseline="0">
                           <a:latin typeface="Noto Mono" panose="020B0609030804020204" pitchFamily="49" charset="0"/>
                           <a:ea typeface="思源黑体 CN Light" panose="020B0300000000000000" pitchFamily="34" charset="-122"/>
                         </a:rPr>
-                        <a:t>数据，携带</a:t>
+                        <a:t>是学号。返回</a:t>
+                      </a:r>
+                      <a:r>
+                        <a:rPr lang="en-US" altLang="zh-CN" sz="1600" baseline="0">
+                          <a:latin typeface="Noto Mono" panose="020B0609030804020204" pitchFamily="49" charset="0"/>
+                          <a:ea typeface="思源黑体 CN Light" panose="020B0300000000000000" pitchFamily="34" charset="-122"/>
+                        </a:rPr>
+                        <a:t>JSON</a:t>
+                      </a:r>
+                      <a:r>
+                        <a:rPr lang="zh-CN" altLang="en-US" sz="1600" baseline="0">
+                          <a:latin typeface="Noto Mono" panose="020B0609030804020204" pitchFamily="49" charset="0"/>
+                          <a:ea typeface="思源黑体 CN Light" panose="020B0300000000000000" pitchFamily="34" charset="-122"/>
+                        </a:rPr>
+                        <a:t>数据，</a:t>
                       </a:r>
                       <a:r>
                         <a:rPr lang="en-US" altLang="zh-CN" sz="1600" baseline="0">
@@ -4654,7 +4831,35 @@
                           <a:latin typeface="Noto Mono" panose="020B0609030804020204" pitchFamily="49" charset="0"/>
                           <a:ea typeface="思源黑体 CN Light" panose="020B0300000000000000" pitchFamily="34" charset="-122"/>
                         </a:rPr>
-                        <a:t>状态码为</a:t>
+                        <a:t>表示状态码，</a:t>
+                      </a:r>
+                      <a:r>
+                        <a:rPr lang="en-US" altLang="zh-CN" sz="1600" baseline="0">
+                          <a:latin typeface="Noto Mono" panose="020B0609030804020204" pitchFamily="49" charset="0"/>
+                          <a:ea typeface="思源黑体 CN Light" panose="020B0300000000000000" pitchFamily="34" charset="-122"/>
+                        </a:rPr>
+                        <a:t>data</a:t>
+                      </a:r>
+                      <a:r>
+                        <a:rPr lang="zh-CN" altLang="en-US" sz="1600" baseline="0">
+                          <a:latin typeface="Noto Mono" panose="020B0609030804020204" pitchFamily="49" charset="0"/>
+                          <a:ea typeface="思源黑体 CN Light" panose="020B0300000000000000" pitchFamily="34" charset="-122"/>
+                        </a:rPr>
+                        <a:t>是上传后的文件名。如果</a:t>
+                      </a:r>
+                      <a:r>
+                        <a:rPr lang="en-US" altLang="zh-CN" sz="1600" baseline="0">
+                          <a:latin typeface="Noto Mono" panose="020B0609030804020204" pitchFamily="49" charset="0"/>
+                          <a:ea typeface="思源黑体 CN Light" panose="020B0300000000000000" pitchFamily="34" charset="-122"/>
+                        </a:rPr>
+                        <a:t>status</a:t>
+                      </a:r>
+                      <a:r>
+                        <a:rPr lang="zh-CN" altLang="en-US" sz="1600" baseline="0">
+                          <a:latin typeface="Noto Mono" panose="020B0609030804020204" pitchFamily="49" charset="0"/>
+                          <a:ea typeface="思源黑体 CN Light" panose="020B0300000000000000" pitchFamily="34" charset="-122"/>
+                        </a:rPr>
+                        <a:t>不是</a:t>
                       </a:r>
                       <a:r>
                         <a:rPr lang="en-US" altLang="zh-CN" sz="1600" baseline="0">
@@ -4668,7 +4873,7 @@
                           <a:latin typeface="Noto Mono" panose="020B0609030804020204" pitchFamily="49" charset="0"/>
                           <a:ea typeface="思源黑体 CN Light" panose="020B0300000000000000" pitchFamily="34" charset="-122"/>
                         </a:rPr>
-                        <a:t>，</a:t>
+                        <a:t>，则</a:t>
                       </a:r>
                       <a:r>
                         <a:rPr lang="en-US" altLang="zh-CN" sz="1600" baseline="0">
@@ -4682,126 +4887,7 @@
                           <a:latin typeface="Noto Mono" panose="020B0609030804020204" pitchFamily="49" charset="0"/>
                           <a:ea typeface="思源黑体 CN Light" panose="020B0300000000000000" pitchFamily="34" charset="-122"/>
                         </a:rPr>
-                        <a:t>字段为返回数据。</a:t>
-                      </a:r>
-                    </a:p>
-                  </a:txBody>
-                  <a:tcPr anchor="ctr"/>
-                </a:tc>
-                <a:extLst>
-                  <a:ext uri="{0D108BD9-81ED-4DB2-BD59-A6C34878D82A}">
-                    <a16:rowId xmlns:a16="http://schemas.microsoft.com/office/drawing/2014/main" val="1147591180"/>
-                  </a:ext>
-                </a:extLst>
-              </a:tr>
-              <a:tr h="1006287">
-                <a:tc>
-                  <a:txBody>
-                    <a:bodyPr/>
-                    <a:lstStyle/>
-                    <a:p>
-                      <a:r>
-                        <a:rPr lang="en-US" altLang="zh-CN" sz="1600" baseline="0">
-                          <a:latin typeface="Noto Mono" panose="020B0609030804020204" pitchFamily="49" charset="0"/>
-                          <a:ea typeface="思源黑体 CN Light" panose="020B0300000000000000" pitchFamily="34" charset="-122"/>
-                        </a:rPr>
-                        <a:t>/caclt</a:t>
-                      </a:r>
-                      <a:endParaRPr lang="zh-CN" altLang="en-US" sz="1600" baseline="0">
-                        <a:latin typeface="Noto Mono" panose="020B0609030804020204" pitchFamily="49" charset="0"/>
-                        <a:ea typeface="思源黑体 CN Light" panose="020B0300000000000000" pitchFamily="34" charset="-122"/>
-                      </a:endParaRPr>
-                    </a:p>
-                  </a:txBody>
-                  <a:tcPr anchor="ctr"/>
-                </a:tc>
-                <a:tc>
-                  <a:txBody>
-                    <a:bodyPr/>
-                    <a:lstStyle/>
-                    <a:p>
-                      <a:r>
-                        <a:rPr lang="en-US" altLang="zh-CN" sz="1600" baseline="0">
-                          <a:latin typeface="Noto Mono" panose="020B0609030804020204" pitchFamily="49" charset="0"/>
-                          <a:ea typeface="思源黑体 CN Light" panose="020B0300000000000000" pitchFamily="34" charset="-122"/>
-                        </a:rPr>
-                        <a:t>GET</a:t>
-                      </a:r>
-                      <a:endParaRPr lang="zh-CN" altLang="en-US" sz="1600" baseline="0">
-                        <a:latin typeface="Noto Mono" panose="020B0609030804020204" pitchFamily="49" charset="0"/>
-                        <a:ea typeface="思源黑体 CN Light" panose="020B0300000000000000" pitchFamily="34" charset="-122"/>
-                      </a:endParaRPr>
-                    </a:p>
-                  </a:txBody>
-                  <a:tcPr anchor="ctr"/>
-                </a:tc>
-                <a:tc>
-                  <a:txBody>
-                    <a:bodyPr/>
-                    <a:lstStyle/>
-                    <a:p>
-                      <a:r>
-                        <a:rPr lang="zh-CN" altLang="en-US" sz="1600" baseline="0">
-                          <a:latin typeface="Noto Mono" panose="020B0609030804020204" pitchFamily="49" charset="0"/>
-                          <a:ea typeface="思源黑体 CN Light" panose="020B0300000000000000" pitchFamily="34" charset="-122"/>
-                        </a:rPr>
-                        <a:t>通过</a:t>
-                      </a:r>
-                      <a:r>
-                        <a:rPr lang="en-US" altLang="zh-CN" sz="1600" baseline="0">
-                          <a:latin typeface="Noto Mono" panose="020B0609030804020204" pitchFamily="49" charset="0"/>
-                          <a:ea typeface="思源黑体 CN Light" panose="020B0300000000000000" pitchFamily="34" charset="-122"/>
-                        </a:rPr>
-                        <a:t>url</a:t>
-                      </a:r>
-                      <a:r>
-                        <a:rPr lang="zh-CN" altLang="en-US" sz="1600" baseline="0">
-                          <a:latin typeface="Noto Mono" panose="020B0609030804020204" pitchFamily="49" charset="0"/>
-                          <a:ea typeface="思源黑体 CN Light" panose="020B0300000000000000" pitchFamily="34" charset="-122"/>
-                        </a:rPr>
-                        <a:t>参数</a:t>
-                      </a:r>
-                      <a:r>
-                        <a:rPr lang="en-US" altLang="zh-CN" sz="1600" baseline="0">
-                          <a:latin typeface="Noto Mono" panose="020B0609030804020204" pitchFamily="49" charset="0"/>
-                          <a:ea typeface="思源黑体 CN Light" panose="020B0300000000000000" pitchFamily="34" charset="-122"/>
-                        </a:rPr>
-                        <a:t>?exp=1.2*2.3+4</a:t>
-                      </a:r>
-                      <a:r>
-                        <a:rPr lang="zh-CN" altLang="en-US" sz="1600" baseline="0">
-                          <a:latin typeface="Noto Mono" panose="020B0609030804020204" pitchFamily="49" charset="0"/>
-                          <a:ea typeface="思源黑体 CN Light" panose="020B0300000000000000" pitchFamily="34" charset="-122"/>
-                        </a:rPr>
-                        <a:t>传递参数并返回计算式的结果。支持分数，使用符号</a:t>
-                      </a:r>
-                      <a:r>
-                        <a:rPr lang="en-US" altLang="zh-CN" sz="1600" baseline="0">
-                          <a:latin typeface="Noto Mono" panose="020B0609030804020204" pitchFamily="49" charset="0"/>
-                          <a:ea typeface="思源黑体 CN Light" panose="020B0300000000000000" pitchFamily="34" charset="-122"/>
-                        </a:rPr>
-                        <a:t>_</a:t>
-                      </a:r>
-                      <a:r>
-                        <a:rPr lang="zh-CN" altLang="en-US" sz="1600" baseline="0">
-                          <a:latin typeface="Noto Mono" panose="020B0609030804020204" pitchFamily="49" charset="0"/>
-                          <a:ea typeface="思源黑体 CN Light" panose="020B0300000000000000" pitchFamily="34" charset="-122"/>
-                        </a:rPr>
-                        <a:t>，</a:t>
-                      </a:r>
-                      <a:r>
-                        <a:rPr lang="en-US" altLang="zh-CN" sz="1600" baseline="0">
-                          <a:latin typeface="Noto Mono" panose="020B0609030804020204" pitchFamily="49" charset="0"/>
-                          <a:ea typeface="思源黑体 CN Light" panose="020B0300000000000000" pitchFamily="34" charset="-122"/>
-                        </a:rPr>
-                        <a:t>1_2</a:t>
-                      </a:r>
-                      <a:r>
-                        <a:rPr lang="zh-CN" altLang="en-US" sz="1600" baseline="0">
-                          <a:latin typeface="Noto Mono" panose="020B0609030804020204" pitchFamily="49" charset="0"/>
-                          <a:ea typeface="思源黑体 CN Light" panose="020B0300000000000000" pitchFamily="34" charset="-122"/>
-                        </a:rPr>
-                        <a:t>表示二分之一，最后可以返回分数结果。</a:t>
+                        <a:t>是错误信息。</a:t>
                       </a:r>
                     </a:p>
                   </a:txBody>
@@ -4813,7 +4899,7 @@
                   </a:ext>
                 </a:extLst>
               </a:tr>
-              <a:tr h="704401">
+              <a:tr h="698280">
                 <a:tc>
                   <a:txBody>
                     <a:bodyPr/>
@@ -4932,7 +5018,7 @@
                   </a:ext>
                 </a:extLst>
               </a:tr>
-              <a:tr h="704401">
+              <a:tr h="698280">
                 <a:tc>
                   <a:txBody>
                     <a:bodyPr/>
@@ -4943,7 +5029,7 @@
                           <a:latin typeface="Noto Mono" panose="020B0609030804020204" pitchFamily="49" charset="0"/>
                           <a:ea typeface="思源黑体 CN Light" panose="020B0300000000000000" pitchFamily="34" charset="-122"/>
                         </a:rPr>
-                        <a:t>/randimg</a:t>
+                        <a:t>/image-list/:nm</a:t>
                       </a:r>
                       <a:endParaRPr lang="zh-CN" altLang="en-US" sz="1600" baseline="0">
                         <a:latin typeface="Noto Mono" panose="020B0609030804020204" pitchFamily="49" charset="0"/>
@@ -4983,35 +5069,35 @@
                           <a:latin typeface="Noto Mono" panose="020B0609030804020204" pitchFamily="49" charset="0"/>
                           <a:ea typeface="思源黑体 CN Light" panose="020B0300000000000000" pitchFamily="34" charset="-122"/>
                         </a:rPr>
-                        <a:t>随机返回一张图片，直接使用</a:t>
+                        <a:t>返回已经上传的图片列表，</a:t>
                       </a:r>
                       <a:r>
                         <a:rPr lang="en-US" altLang="zh-CN" sz="1600" baseline="0">
                           <a:latin typeface="Noto Mono" panose="020B0609030804020204" pitchFamily="49" charset="0"/>
                           <a:ea typeface="思源黑体 CN Light" panose="020B0300000000000000" pitchFamily="34" charset="-122"/>
                         </a:rPr>
-                        <a:t>img</a:t>
+                        <a:t>JSON</a:t>
                       </a:r>
                       <a:r>
                         <a:rPr lang="zh-CN" altLang="en-US" sz="1600" baseline="0">
                           <a:latin typeface="Noto Mono" panose="020B0609030804020204" pitchFamily="49" charset="0"/>
                           <a:ea typeface="思源黑体 CN Light" panose="020B0300000000000000" pitchFamily="34" charset="-122"/>
                         </a:rPr>
-                        <a:t>标签，或者在小程序中直接使用</a:t>
+                        <a:t>格式，</a:t>
                       </a:r>
                       <a:r>
                         <a:rPr lang="en-US" altLang="zh-CN" sz="1600" baseline="0">
                           <a:latin typeface="Noto Mono" panose="020B0609030804020204" pitchFamily="49" charset="0"/>
                           <a:ea typeface="思源黑体 CN Light" panose="020B0300000000000000" pitchFamily="34" charset="-122"/>
                         </a:rPr>
-                        <a:t>image</a:t>
+                        <a:t>data</a:t>
                       </a:r>
                       <a:r>
                         <a:rPr lang="zh-CN" altLang="en-US" sz="1600" baseline="0">
                           <a:latin typeface="Noto Mono" panose="020B0609030804020204" pitchFamily="49" charset="0"/>
                           <a:ea typeface="思源黑体 CN Light" panose="020B0300000000000000" pitchFamily="34" charset="-122"/>
                         </a:rPr>
-                        <a:t>组件引用。</a:t>
+                        <a:t>是数组形式，数值为已经上传的图片名称。</a:t>
                       </a:r>
                     </a:p>
                   </a:txBody>
@@ -5020,6 +5106,69 @@
                 <a:extLst>
                   <a:ext uri="{0D108BD9-81ED-4DB2-BD59-A6C34878D82A}">
                     <a16:rowId xmlns:a16="http://schemas.microsoft.com/office/drawing/2014/main" val="3377502783"/>
+                  </a:ext>
+                </a:extLst>
+              </a:tr>
+              <a:tr h="698280">
+                <a:tc>
+                  <a:txBody>
+                    <a:bodyPr/>
+                    <a:lstStyle/>
+                    <a:p>
+                      <a:r>
+                        <a:rPr lang="en-US" altLang="zh-CN" sz="1600" baseline="0">
+                          <a:latin typeface="Noto Mono" panose="020B0609030804020204" pitchFamily="49" charset="0"/>
+                          <a:ea typeface="思源黑体 CN Light" panose="020B0300000000000000" pitchFamily="34" charset="-122"/>
+                        </a:rPr>
+                        <a:t>/image/:nm/:name</a:t>
+                      </a:r>
+                      <a:endParaRPr lang="zh-CN" altLang="en-US" sz="1600" baseline="0">
+                        <a:latin typeface="Noto Mono" panose="020B0609030804020204" pitchFamily="49" charset="0"/>
+                        <a:ea typeface="思源黑体 CN Light" panose="020B0300000000000000" pitchFamily="34" charset="-122"/>
+                      </a:endParaRPr>
+                    </a:p>
+                  </a:txBody>
+                  <a:tcPr anchor="ctr"/>
+                </a:tc>
+                <a:tc>
+                  <a:txBody>
+                    <a:bodyPr/>
+                    <a:lstStyle/>
+                    <a:p>
+                      <a:r>
+                        <a:rPr lang="en-US" altLang="zh-CN" sz="1600" baseline="0">
+                          <a:latin typeface="Noto Mono" panose="020B0609030804020204" pitchFamily="49" charset="0"/>
+                          <a:ea typeface="思源黑体 CN Light" panose="020B0300000000000000" pitchFamily="34" charset="-122"/>
+                        </a:rPr>
+                        <a:t>DELETE</a:t>
+                      </a:r>
+                      <a:endParaRPr lang="zh-CN" altLang="en-US" sz="1600" baseline="0">
+                        <a:latin typeface="Noto Mono" panose="020B0609030804020204" pitchFamily="49" charset="0"/>
+                        <a:ea typeface="思源黑体 CN Light" panose="020B0300000000000000" pitchFamily="34" charset="-122"/>
+                      </a:endParaRPr>
+                    </a:p>
+                  </a:txBody>
+                  <a:tcPr anchor="ctr"/>
+                </a:tc>
+                <a:tc>
+                  <a:txBody>
+                    <a:bodyPr/>
+                    <a:lstStyle/>
+                    <a:p>
+                      <a:r>
+                        <a:rPr lang="zh-CN" altLang="en-US" sz="1600" baseline="0">
+                          <a:latin typeface="Noto Mono" panose="020B0609030804020204" pitchFamily="49" charset="0"/>
+                          <a:ea typeface="思源黑体 CN Light" panose="020B0300000000000000" pitchFamily="34" charset="-122"/>
+                        </a:rPr>
+                        <a:t>删除图片。</a:t>
+                      </a:r>
+                    </a:p>
+                  </a:txBody>
+                  <a:tcPr anchor="ctr"/>
+                </a:tc>
+                <a:extLst>
+                  <a:ext uri="{0D108BD9-81ED-4DB2-BD59-A6C34878D82A}">
+                    <a16:rowId xmlns:a16="http://schemas.microsoft.com/office/drawing/2014/main" val="333599356"/>
                   </a:ext>
                 </a:extLst>
               </a:tr>
@@ -5040,7 +5189,7 @@
 </p:sld>
 </file>
 
-<file path=ppt/slides/slide7.xml><?xml version="1.0" encoding="utf-8"?>
+<file path=ppt/slides/slide8.xml><?xml version="1.0" encoding="utf-8"?>
 <p:sld xmlns:a="http://schemas.openxmlformats.org/drawingml/2006/main" xmlns:r="http://schemas.openxmlformats.org/officeDocument/2006/relationships" xmlns:p="http://schemas.openxmlformats.org/presentationml/2006/main">
   <p:cSld>
     <p:spTree>
@@ -5109,14 +5258,7 @@
           <a:p>
             <a:r>
               <a:rPr lang="zh-CN" altLang="en-US"/>
-              <a:t>具体的请求示例、如何处理特殊符号、获取表单并跳转发起远程请求参考示例代码。</a:t>
-            </a:r>
-            <a:endParaRPr lang="en-US" altLang="zh-CN"/>
-          </a:p>
-          <a:p>
-            <a:r>
-              <a:rPr lang="zh-CN" altLang="en-US"/>
-              <a:t>课件无法展示代码的太多细节。</a:t>
+              <a:t>课件无法展示复杂的代码。具体的请求示例、如何处理特殊符号、获取表单并跳转发起远程请求参考示例代码。</a:t>
             </a:r>
             <a:endParaRPr lang="en-US" altLang="zh-CN"/>
           </a:p>
